--- a/vizsga_prezentacio_TKE.pptx
+++ b/vizsga_prezentacio_TKE.pptx
@@ -216,7 +216,7 @@
             <a:pPr rtl="0"/>
             <a:fld id="{5CAEEA8C-D79B-4D7E-9B24-9CDE292BA524}" type="datetime1">
               <a:rPr lang="hu-HU" smtClean="0"/>
-              <a:t>2022. 04. 27.</a:t>
+              <a:t>2022. 04. 29.</a:t>
             </a:fld>
             <a:endParaRPr lang="en-US" dirty="0"/>
           </a:p>
@@ -386,7 +386,7 @@
             <a:pPr rtl="0"/>
             <a:fld id="{5747FBB5-06FC-4B7C-805A-71D5B2DC73D7}" type="datetime1">
               <a:rPr lang="hu-HU" smtClean="0"/>
-              <a:t>2022. 04. 27.</a:t>
+              <a:t>2022. 04. 29.</a:t>
             </a:fld>
             <a:endParaRPr lang="en-US"/>
           </a:p>
@@ -906,7 +906,7 @@
             <a:pPr rtl="0"/>
             <a:fld id="{0E9E5F8B-C0C0-4B90-909B-D74267390778}" type="datetime1">
               <a:rPr lang="hu-HU" smtClean="0"/>
-              <a:t>2022. 04. 27.</a:t>
+              <a:t>2022. 04. 29.</a:t>
             </a:fld>
             <a:endParaRPr lang="en-US" dirty="0"/>
           </a:p>
@@ -1098,7 +1098,7 @@
             <a:pPr rtl="0"/>
             <a:fld id="{CF8F2378-D795-4356-944B-E8E7E6619F8D}" type="datetime1">
               <a:rPr lang="hu-HU" smtClean="0"/>
-              <a:t>2022. 04. 27.</a:t>
+              <a:t>2022. 04. 29.</a:t>
             </a:fld>
             <a:endParaRPr lang="en-US" dirty="0"/>
           </a:p>
@@ -1344,7 +1344,7 @@
             <a:pPr rtl="0"/>
             <a:fld id="{25FC19FB-55E1-406B-B7E8-13185ED76BF1}" type="datetime1">
               <a:rPr lang="hu-HU" smtClean="0"/>
-              <a:t>2022. 04. 27.</a:t>
+              <a:t>2022. 04. 29.</a:t>
             </a:fld>
             <a:endParaRPr lang="en-US" dirty="0"/>
           </a:p>
@@ -1536,7 +1536,7 @@
             <a:pPr rtl="0"/>
             <a:fld id="{E3DC00C9-4F95-417E-BC75-9AB88F3EB5E6}" type="datetime1">
               <a:rPr lang="hu-HU" smtClean="0"/>
-              <a:t>2022. 04. 27.</a:t>
+              <a:t>2022. 04. 29.</a:t>
             </a:fld>
             <a:endParaRPr lang="en-US" dirty="0"/>
           </a:p>
@@ -1913,7 +1913,7 @@
             <a:pPr rtl="0"/>
             <a:fld id="{9FFDFAF3-0D62-4D1D-BD8E-B3574060A218}" type="datetime1">
               <a:rPr lang="hu-HU" smtClean="0"/>
-              <a:t>2022. 04. 27.</a:t>
+              <a:t>2022. 04. 29.</a:t>
             </a:fld>
             <a:endParaRPr lang="en-US" dirty="0"/>
           </a:p>
@@ -2172,7 +2172,7 @@
             <a:pPr rtl="0"/>
             <a:fld id="{70B56D3F-AD39-462A-9AE5-D8B4258A7D70}" type="datetime1">
               <a:rPr lang="hu-HU" smtClean="0"/>
-              <a:t>2022. 04. 27.</a:t>
+              <a:t>2022. 04. 29.</a:t>
             </a:fld>
             <a:endParaRPr lang="en-US" dirty="0"/>
           </a:p>
@@ -2573,7 +2573,7 @@
             <a:pPr rtl="0"/>
             <a:fld id="{79DB4B0B-F58C-4E09-A8D0-6C9829E738F5}" type="datetime1">
               <a:rPr lang="hu-HU" smtClean="0"/>
-              <a:t>2022. 04. 27.</a:t>
+              <a:t>2022. 04. 29.</a:t>
             </a:fld>
             <a:endParaRPr lang="en-US" dirty="0"/>
           </a:p>
@@ -2713,7 +2713,7 @@
             <a:pPr rtl="0"/>
             <a:fld id="{14F97517-8E79-4B36-BDAC-B491A8C38CFF}" type="datetime1">
               <a:rPr lang="hu-HU" smtClean="0"/>
-              <a:t>2022. 04. 27.</a:t>
+              <a:t>2022. 04. 29.</a:t>
             </a:fld>
             <a:endParaRPr lang="en-US" dirty="0"/>
           </a:p>
@@ -2873,7 +2873,7 @@
             <a:pPr rtl="0"/>
             <a:fld id="{99DBA4BE-2F5E-4084-A7CE-4E56814F3F42}" type="datetime1">
               <a:rPr lang="hu-HU" smtClean="0"/>
-              <a:t>2022. 04. 27.</a:t>
+              <a:t>2022. 04. 29.</a:t>
             </a:fld>
             <a:endParaRPr lang="en-US" dirty="0"/>
           </a:p>
@@ -3206,7 +3206,7 @@
             <a:pPr rtl="0"/>
             <a:fld id="{76829ACE-307A-417A-8C22-FF9BAE9008E7}" type="datetime1">
               <a:rPr lang="hu-HU" smtClean="0"/>
-              <a:t>2022. 04. 27.</a:t>
+              <a:t>2022. 04. 29.</a:t>
             </a:fld>
             <a:endParaRPr lang="en-US" dirty="0"/>
           </a:p>
@@ -3561,7 +3561,7 @@
             <a:pPr rtl="0"/>
             <a:fld id="{E811A51D-7981-47DF-A25B-B843283A527C}" type="datetime1">
               <a:rPr lang="hu-HU" smtClean="0"/>
-              <a:t>2022. 04. 27.</a:t>
+              <a:t>2022. 04. 29.</a:t>
             </a:fld>
             <a:endParaRPr lang="en-US" dirty="0"/>
           </a:p>
@@ -3825,7 +3825,7 @@
             <a:pPr rtl="0"/>
             <a:fld id="{BB79EBFC-01B3-48F8-A130-8344AF273ED8}" type="datetime1">
               <a:rPr lang="hu-HU" smtClean="0"/>
-              <a:t>2022. 04. 27.</a:t>
+              <a:t>2022. 04. 29.</a:t>
             </a:fld>
             <a:endParaRPr lang="en-US" dirty="0"/>
           </a:p>
@@ -5664,12 +5664,20 @@
               <a:buChar char="•"/>
             </a:pPr>
             <a:r>
+              <a:rPr lang="hu-HU" sz="2400">
+                <a:solidFill>
+                  <a:schemeClr val="tx1"/>
+                </a:solidFill>
+              </a:rPr>
+              <a:t>10.4.21-MariaDB kiszolgáló - </a:t>
+            </a:r>
+            <a:r>
               <a:rPr lang="hu-HU" sz="2400" dirty="0" err="1">
                 <a:solidFill>
                   <a:schemeClr val="tx1"/>
                 </a:solidFill>
               </a:rPr>
-              <a:t>Phpmyadmin</a:t>
+              <a:t>PhpMyAdmin</a:t>
             </a:r>
             <a:endParaRPr lang="hu-HU" sz="2400" dirty="0">
               <a:solidFill>
